--- a/lectures/lecture-03/Lecture 03 - Lecture.pptx
+++ b/lectures/lecture-03/Lecture 03 - Lecture.pptx
@@ -2548,7 +2548,7 @@
           <a:p>
             <a:fld id="{3A2BF66F-FEB0-48C1-A8B9-A73F54BB1A08}" type="datetimeFigureOut">
               <a:rPr lang="en-US" smtClean="0"/>
-              <a:t>6/30/2021</a:t>
+              <a:t>7/1/2021</a:t>
             </a:fld>
             <a:endParaRPr lang="en-US" dirty="0"/>
           </a:p>
@@ -2756,7 +2756,7 @@
           <a:p>
             <a:fld id="{3A2BF66F-FEB0-48C1-A8B9-A73F54BB1A08}" type="datetimeFigureOut">
               <a:rPr lang="en-US" smtClean="0"/>
-              <a:t>6/30/2021</a:t>
+              <a:t>7/1/2021</a:t>
             </a:fld>
             <a:endParaRPr lang="en-US" dirty="0"/>
           </a:p>
@@ -2974,7 +2974,7 @@
           <a:p>
             <a:fld id="{3A2BF66F-FEB0-48C1-A8B9-A73F54BB1A08}" type="datetimeFigureOut">
               <a:rPr lang="en-US" smtClean="0"/>
-              <a:t>6/30/2021</a:t>
+              <a:t>7/1/2021</a:t>
             </a:fld>
             <a:endParaRPr lang="en-US" dirty="0"/>
           </a:p>
@@ -3182,7 +3182,7 @@
           <a:p>
             <a:fld id="{3A2BF66F-FEB0-48C1-A8B9-A73F54BB1A08}" type="datetimeFigureOut">
               <a:rPr lang="en-US" smtClean="0"/>
-              <a:t>6/30/2021</a:t>
+              <a:t>7/1/2021</a:t>
             </a:fld>
             <a:endParaRPr lang="en-US" dirty="0"/>
           </a:p>
@@ -3467,7 +3467,7 @@
           <a:p>
             <a:fld id="{3A2BF66F-FEB0-48C1-A8B9-A73F54BB1A08}" type="datetimeFigureOut">
               <a:rPr lang="en-US" smtClean="0"/>
-              <a:t>6/30/2021</a:t>
+              <a:t>7/1/2021</a:t>
             </a:fld>
             <a:endParaRPr lang="en-US" dirty="0"/>
           </a:p>
@@ -3742,7 +3742,7 @@
           <a:p>
             <a:fld id="{3A2BF66F-FEB0-48C1-A8B9-A73F54BB1A08}" type="datetimeFigureOut">
               <a:rPr lang="en-US" smtClean="0"/>
-              <a:t>6/30/2021</a:t>
+              <a:t>7/1/2021</a:t>
             </a:fld>
             <a:endParaRPr lang="en-US" dirty="0"/>
           </a:p>
@@ -4164,7 +4164,7 @@
           <a:p>
             <a:fld id="{3A2BF66F-FEB0-48C1-A8B9-A73F54BB1A08}" type="datetimeFigureOut">
               <a:rPr lang="en-US" smtClean="0"/>
-              <a:t>6/30/2021</a:t>
+              <a:t>7/1/2021</a:t>
             </a:fld>
             <a:endParaRPr lang="en-US" dirty="0"/>
           </a:p>
@@ -4315,7 +4315,7 @@
           <a:p>
             <a:fld id="{3A2BF66F-FEB0-48C1-A8B9-A73F54BB1A08}" type="datetimeFigureOut">
               <a:rPr lang="en-US" smtClean="0"/>
-              <a:t>6/30/2021</a:t>
+              <a:t>7/1/2021</a:t>
             </a:fld>
             <a:endParaRPr lang="en-US" dirty="0"/>
           </a:p>
@@ -4438,7 +4438,7 @@
           <a:p>
             <a:fld id="{3A2BF66F-FEB0-48C1-A8B9-A73F54BB1A08}" type="datetimeFigureOut">
               <a:rPr lang="en-US" smtClean="0"/>
-              <a:t>6/30/2021</a:t>
+              <a:t>7/1/2021</a:t>
             </a:fld>
             <a:endParaRPr lang="en-US" dirty="0"/>
           </a:p>
@@ -4758,7 +4758,7 @@
           <a:p>
             <a:fld id="{3A2BF66F-FEB0-48C1-A8B9-A73F54BB1A08}" type="datetimeFigureOut">
               <a:rPr lang="en-US" smtClean="0"/>
-              <a:t>6/30/2021</a:t>
+              <a:t>7/1/2021</a:t>
             </a:fld>
             <a:endParaRPr lang="en-US" dirty="0"/>
           </a:p>
@@ -5056,7 +5056,7 @@
           <a:p>
             <a:fld id="{3A2BF66F-FEB0-48C1-A8B9-A73F54BB1A08}" type="datetimeFigureOut">
               <a:rPr lang="en-US" smtClean="0"/>
-              <a:t>6/30/2021</a:t>
+              <a:t>7/1/2021</a:t>
             </a:fld>
             <a:endParaRPr lang="en-US" dirty="0"/>
           </a:p>
@@ -5307,7 +5307,7 @@
           <a:p>
             <a:fld id="{3A2BF66F-FEB0-48C1-A8B9-A73F54BB1A08}" type="datetimeFigureOut">
               <a:rPr lang="en-US" smtClean="0"/>
-              <a:t>6/30/2021</a:t>
+              <a:t>7/1/2021</a:t>
             </a:fld>
             <a:endParaRPr lang="en-US" dirty="0"/>
           </a:p>
@@ -12313,7 +12313,7 @@
             </a:r>
             <a:r>
               <a:rPr lang="en-US" sz="1100" dirty="0"/>
-              <a:t>(3, 5, 7));</a:t>
+              <a:t>(6, 3, 8));</a:t>
             </a:r>
           </a:p>
           <a:p>

--- a/lectures/lecture-03/Lecture 03 - Lecture.pptx
+++ b/lectures/lecture-03/Lecture 03 - Lecture.pptx
@@ -7557,7 +7557,7 @@
             </a:r>
             <a:r>
               <a:rPr lang="en-US" dirty="0" err="1"/>
-              <a:t>11am</a:t>
+              <a:t>11:59pm</a:t>
             </a:r>
             <a:endParaRPr lang="en-US" dirty="0"/>
           </a:p>
@@ -7574,12 +7574,14 @@
           <a:p>
             <a:pPr lvl="1"/>
             <a:r>
-              <a:rPr lang="en-US" dirty="0" err="1"/>
-              <a:t>Covdered</a:t>
-            </a:r>
-            <a:r>
-              <a:rPr lang="en-US" dirty="0"/>
-              <a:t> in Discussion</a:t>
+              <a:rPr lang="en-US" dirty="0"/>
+              <a:t>Covered in Discussion</a:t>
+            </a:r>
+          </a:p>
+          <a:p>
+            <a:r>
+              <a:rPr lang="en-US" dirty="0"/>
+              <a:t>Make-up Lecture tomorrow – same time, same zoom link</a:t>
             </a:r>
           </a:p>
           <a:p>
